--- a/Slides/4. Datatypes/VARIABLE.pptx
+++ b/Slides/4. Datatypes/VARIABLE.pptx
@@ -5,7 +5,7 @@
     <p:sldMasterId id="2147483648" r:id="rId1"/>
   </p:sldMasterIdLst>
   <p:notesMasterIdLst>
-    <p:notesMasterId r:id="rId17"/>
+    <p:notesMasterId r:id="rId19"/>
   </p:notesMasterIdLst>
   <p:sldIdLst>
     <p:sldId id="257" r:id="rId2"/>
@@ -23,6 +23,8 @@
     <p:sldId id="346" r:id="rId14"/>
     <p:sldId id="348" r:id="rId15"/>
     <p:sldId id="347" r:id="rId16"/>
+    <p:sldId id="349" r:id="rId17"/>
+    <p:sldId id="350" r:id="rId18"/>
   </p:sldIdLst>
   <p:sldSz cx="12192000" cy="6858000"/>
   <p:notesSz cx="6858000" cy="9144000"/>
@@ -211,7 +213,7 @@
           <a:p>
             <a:fld id="{31EFBF67-807E-4A8D-8621-9554882ADEF8}" type="datetimeFigureOut">
               <a:rPr lang="en-US" smtClean="0"/>
-              <a:t>5/26/2023</a:t>
+              <a:t>5/27/2023</a:t>
             </a:fld>
             <a:endParaRPr lang="en-US"/>
           </a:p>
@@ -729,7 +731,7 @@
           <a:p>
             <a:fld id="{8C84630D-EC0A-4789-8672-502AF5F87B4D}" type="datetimeFigureOut">
               <a:rPr lang="en-US" smtClean="0"/>
-              <a:t>5/26/2023</a:t>
+              <a:t>5/27/2023</a:t>
             </a:fld>
             <a:endParaRPr lang="en-US"/>
           </a:p>
@@ -927,7 +929,7 @@
           <a:p>
             <a:fld id="{8C84630D-EC0A-4789-8672-502AF5F87B4D}" type="datetimeFigureOut">
               <a:rPr lang="en-US" smtClean="0"/>
-              <a:t>5/26/2023</a:t>
+              <a:t>5/27/2023</a:t>
             </a:fld>
             <a:endParaRPr lang="en-US"/>
           </a:p>
@@ -1135,7 +1137,7 @@
           <a:p>
             <a:fld id="{8C84630D-EC0A-4789-8672-502AF5F87B4D}" type="datetimeFigureOut">
               <a:rPr lang="en-US" smtClean="0"/>
-              <a:t>5/26/2023</a:t>
+              <a:t>5/27/2023</a:t>
             </a:fld>
             <a:endParaRPr lang="en-US"/>
           </a:p>
@@ -2002,7 +2004,7 @@
           <a:p>
             <a:fld id="{8C84630D-EC0A-4789-8672-502AF5F87B4D}" type="datetimeFigureOut">
               <a:rPr lang="en-US" smtClean="0"/>
-              <a:t>5/26/2023</a:t>
+              <a:t>5/27/2023</a:t>
             </a:fld>
             <a:endParaRPr lang="en-US"/>
           </a:p>
@@ -2277,7 +2279,7 @@
           <a:p>
             <a:fld id="{8C84630D-EC0A-4789-8672-502AF5F87B4D}" type="datetimeFigureOut">
               <a:rPr lang="en-US" smtClean="0"/>
-              <a:t>5/26/2023</a:t>
+              <a:t>5/27/2023</a:t>
             </a:fld>
             <a:endParaRPr lang="en-US"/>
           </a:p>
@@ -2542,7 +2544,7 @@
           <a:p>
             <a:fld id="{8C84630D-EC0A-4789-8672-502AF5F87B4D}" type="datetimeFigureOut">
               <a:rPr lang="en-US" smtClean="0"/>
-              <a:t>5/26/2023</a:t>
+              <a:t>5/27/2023</a:t>
             </a:fld>
             <a:endParaRPr lang="en-US"/>
           </a:p>
@@ -2954,7 +2956,7 @@
           <a:p>
             <a:fld id="{8C84630D-EC0A-4789-8672-502AF5F87B4D}" type="datetimeFigureOut">
               <a:rPr lang="en-US" smtClean="0"/>
-              <a:t>5/26/2023</a:t>
+              <a:t>5/27/2023</a:t>
             </a:fld>
             <a:endParaRPr lang="en-US"/>
           </a:p>
@@ -3095,7 +3097,7 @@
           <a:p>
             <a:fld id="{8C84630D-EC0A-4789-8672-502AF5F87B4D}" type="datetimeFigureOut">
               <a:rPr lang="en-US" smtClean="0"/>
-              <a:t>5/26/2023</a:t>
+              <a:t>5/27/2023</a:t>
             </a:fld>
             <a:endParaRPr lang="en-US"/>
           </a:p>
@@ -3208,7 +3210,7 @@
           <a:p>
             <a:fld id="{8C84630D-EC0A-4789-8672-502AF5F87B4D}" type="datetimeFigureOut">
               <a:rPr lang="en-US" smtClean="0"/>
-              <a:t>5/26/2023</a:t>
+              <a:t>5/27/2023</a:t>
             </a:fld>
             <a:endParaRPr lang="en-US"/>
           </a:p>
@@ -3519,7 +3521,7 @@
           <a:p>
             <a:fld id="{8C84630D-EC0A-4789-8672-502AF5F87B4D}" type="datetimeFigureOut">
               <a:rPr lang="en-US" smtClean="0"/>
-              <a:t>5/26/2023</a:t>
+              <a:t>5/27/2023</a:t>
             </a:fld>
             <a:endParaRPr lang="en-US"/>
           </a:p>
@@ -3807,7 +3809,7 @@
           <a:p>
             <a:fld id="{8C84630D-EC0A-4789-8672-502AF5F87B4D}" type="datetimeFigureOut">
               <a:rPr lang="en-US" smtClean="0"/>
-              <a:t>5/26/2023</a:t>
+              <a:t>5/27/2023</a:t>
             </a:fld>
             <a:endParaRPr lang="en-US"/>
           </a:p>
@@ -4048,7 +4050,7 @@
           <a:p>
             <a:fld id="{8C84630D-EC0A-4789-8672-502AF5F87B4D}" type="datetimeFigureOut">
               <a:rPr lang="en-US" smtClean="0"/>
-              <a:t>5/26/2023</a:t>
+              <a:t>5/27/2023</a:t>
             </a:fld>
             <a:endParaRPr lang="en-US"/>
           </a:p>
@@ -28040,14 +28042,386 @@
           <a:bodyPr/>
           <a:lstStyle/>
           <a:p>
-            <a:endParaRPr lang="en-US" dirty="0"/>
+            <a:r>
+              <a:rPr lang="en-US" dirty="0"/>
+              <a:t>In C#, we can also use the built-in Parse() method to perform type conversion. So, while performing type conversion between non-compatible types like int and string, we can also use Parse() method like the Convert class helper methods. Now, if you go to the definition of built-in value data types such as int, short, long, bool, etc., then you will see that the Parse method is implemented as a static method in those built-in value data types</a:t>
+            </a:r>
+          </a:p>
+        </p:txBody>
+      </p:sp>
+      <p:pic>
+        <p:nvPicPr>
+          <p:cNvPr id="4" name="Picture 3">
+            <a:extLst>
+              <a:ext uri="{FF2B5EF4-FFF2-40B4-BE49-F238E27FC236}">
+                <a16:creationId xmlns:a16="http://schemas.microsoft.com/office/drawing/2014/main" id="{66718B18-8A4E-2854-E9CB-21947E9859E8}"/>
+              </a:ext>
+            </a:extLst>
+          </p:cNvPr>
+          <p:cNvPicPr>
+            <a:picLocks noChangeAspect="1"/>
+          </p:cNvPicPr>
+          <p:nvPr/>
+        </p:nvPicPr>
+        <p:blipFill>
+          <a:blip r:embed="rId2"/>
+          <a:stretch>
+            <a:fillRect/>
+          </a:stretch>
+        </p:blipFill>
+        <p:spPr>
+          <a:xfrm>
+            <a:off x="1189238" y="4348579"/>
+            <a:ext cx="4533900" cy="1524000"/>
+          </a:xfrm>
+          <a:prstGeom prst="rect">
+            <a:avLst/>
+          </a:prstGeom>
+        </p:spPr>
+      </p:pic>
+      <p:pic>
+        <p:nvPicPr>
+          <p:cNvPr id="5" name="Picture 4">
+            <a:extLst>
+              <a:ext uri="{FF2B5EF4-FFF2-40B4-BE49-F238E27FC236}">
+                <a16:creationId xmlns:a16="http://schemas.microsoft.com/office/drawing/2014/main" id="{8E626B19-543C-2B5F-DC8A-4DE72F8949C2}"/>
+              </a:ext>
+            </a:extLst>
+          </p:cNvPr>
+          <p:cNvPicPr>
+            <a:picLocks noChangeAspect="1"/>
+          </p:cNvPicPr>
+          <p:nvPr/>
+        </p:nvPicPr>
+        <p:blipFill rotWithShape="1">
+          <a:blip r:embed="rId3"/>
+          <a:srcRect l="1304"/>
+          <a:stretch/>
+        </p:blipFill>
+        <p:spPr>
+          <a:xfrm>
+            <a:off x="6096000" y="4810541"/>
+            <a:ext cx="2998849" cy="600075"/>
+          </a:xfrm>
+          <a:prstGeom prst="rect">
+            <a:avLst/>
+          </a:prstGeom>
+        </p:spPr>
+      </p:pic>
+    </p:spTree>
+    <p:extLst>
+      <p:ext uri="{BB962C8B-B14F-4D97-AF65-F5344CB8AC3E}">
+        <p14:creationId xmlns:p14="http://schemas.microsoft.com/office/powerpoint/2010/main" val="413241989"/>
+      </p:ext>
+    </p:extLst>
+  </p:cSld>
+  <p:clrMapOvr>
+    <a:masterClrMapping/>
+  </p:clrMapOvr>
+</p:sld>
+</file>
+
+<file path=ppt/slides/slide16.xml><?xml version="1.0" encoding="utf-8"?>
+<p:sld xmlns:a="http://schemas.openxmlformats.org/drawingml/2006/main" xmlns:r="http://schemas.openxmlformats.org/officeDocument/2006/relationships" xmlns:p="http://schemas.openxmlformats.org/presentationml/2006/main">
+  <p:cSld>
+    <p:spTree>
+      <p:nvGrpSpPr>
+        <p:cNvPr id="1" name=""/>
+        <p:cNvGrpSpPr/>
+        <p:nvPr/>
+      </p:nvGrpSpPr>
+      <p:grpSpPr>
+        <a:xfrm>
+          <a:off x="0" y="0"/>
+          <a:ext cx="0" cy="0"/>
+          <a:chOff x="0" y="0"/>
+          <a:chExt cx="0" cy="0"/>
+        </a:xfrm>
+      </p:grpSpPr>
+      <p:sp>
+        <p:nvSpPr>
+          <p:cNvPr id="2" name="Title 1">
+            <a:extLst>
+              <a:ext uri="{FF2B5EF4-FFF2-40B4-BE49-F238E27FC236}">
+                <a16:creationId xmlns:a16="http://schemas.microsoft.com/office/drawing/2014/main" id="{6FFC20A7-7A67-364D-7425-8F55229A7834}"/>
+              </a:ext>
+            </a:extLst>
+          </p:cNvPr>
+          <p:cNvSpPr>
+            <a:spLocks noGrp="1"/>
+          </p:cNvSpPr>
+          <p:nvPr>
+            <p:ph type="title"/>
+          </p:nvPr>
+        </p:nvSpPr>
+        <p:spPr>
+          <a:xfrm>
+            <a:off x="609599" y="807467"/>
+            <a:ext cx="9271247" cy="604083"/>
+          </a:xfrm>
+        </p:spPr>
+        <p:txBody>
+          <a:bodyPr/>
+          <a:lstStyle/>
+          <a:p>
+            <a:r>
+              <a:rPr lang="en-US" dirty="0"/>
+              <a:t>TryParse Method</a:t>
+            </a:r>
+          </a:p>
+        </p:txBody>
+      </p:sp>
+      <p:sp>
+        <p:nvSpPr>
+          <p:cNvPr id="3" name="Text Placeholder 2">
+            <a:extLst>
+              <a:ext uri="{FF2B5EF4-FFF2-40B4-BE49-F238E27FC236}">
+                <a16:creationId xmlns:a16="http://schemas.microsoft.com/office/drawing/2014/main" id="{3654878D-5083-F198-0476-04BFB5C6F853}"/>
+              </a:ext>
+            </a:extLst>
+          </p:cNvPr>
+          <p:cNvSpPr>
+            <a:spLocks noGrp="1"/>
+          </p:cNvSpPr>
+          <p:nvPr>
+            <p:ph type="body" idx="1"/>
+          </p:nvPr>
+        </p:nvSpPr>
+        <p:spPr>
+          <a:xfrm>
+            <a:off x="609600" y="1606858"/>
+            <a:ext cx="11073414" cy="4575342"/>
+          </a:xfrm>
+        </p:spPr>
+        <p:txBody>
+          <a:bodyPr/>
+          <a:lstStyle/>
+          <a:p>
+            <a:r>
+              <a:rPr lang="en-US" sz="2400" dirty="0"/>
+              <a:t>When we use the Parse method, if the conversion is not possible then at runtime, we will get an exception which is not a good thing. Because if conversion is not possible then we should show some information to the user and we should proceed further. To do so, the built-in value type class in C# is provided with the TryParse method</a:t>
+            </a:r>
+          </a:p>
+          <a:p>
+            <a:r>
+              <a:rPr lang="en-US" sz="2400" dirty="0"/>
+              <a:t>When we use the Parse method, if the conversion is not possible then at runtime, we will get an exception which is not a good thing. Because if conversion is not possible then we should show some information to the user and we should proceed further. To do so, the built-in value type class in C# is provided with the TryParse method. Let us see how to use the TryParse method in C#. Suppose, we want to convert a string to an integer type, then we can use the TryParse method as follows.</a:t>
+            </a:r>
           </a:p>
         </p:txBody>
       </p:sp>
     </p:spTree>
     <p:extLst>
       <p:ext uri="{BB962C8B-B14F-4D97-AF65-F5344CB8AC3E}">
-        <p14:creationId xmlns:p14="http://schemas.microsoft.com/office/powerpoint/2010/main" val="413241989"/>
+        <p14:creationId xmlns:p14="http://schemas.microsoft.com/office/powerpoint/2010/main" val="3203143407"/>
+      </p:ext>
+    </p:extLst>
+  </p:cSld>
+  <p:clrMapOvr>
+    <a:masterClrMapping/>
+  </p:clrMapOvr>
+</p:sld>
+</file>
+
+<file path=ppt/slides/slide17.xml><?xml version="1.0" encoding="utf-8"?>
+<p:sld xmlns:a="http://schemas.openxmlformats.org/drawingml/2006/main" xmlns:r="http://schemas.openxmlformats.org/officeDocument/2006/relationships" xmlns:p="http://schemas.openxmlformats.org/presentationml/2006/main">
+  <p:cSld>
+    <p:spTree>
+      <p:nvGrpSpPr>
+        <p:cNvPr id="1" name=""/>
+        <p:cNvGrpSpPr/>
+        <p:nvPr/>
+      </p:nvGrpSpPr>
+      <p:grpSpPr>
+        <a:xfrm>
+          <a:off x="0" y="0"/>
+          <a:ext cx="0" cy="0"/>
+          <a:chOff x="0" y="0"/>
+          <a:chExt cx="0" cy="0"/>
+        </a:xfrm>
+      </p:grpSpPr>
+      <p:pic>
+        <p:nvPicPr>
+          <p:cNvPr id="5" name="Picture 4">
+            <a:extLst>
+              <a:ext uri="{FF2B5EF4-FFF2-40B4-BE49-F238E27FC236}">
+                <a16:creationId xmlns:a16="http://schemas.microsoft.com/office/drawing/2014/main" id="{690B291F-05A8-A773-C88D-5C4BB22C30E1}"/>
+              </a:ext>
+            </a:extLst>
+          </p:cNvPr>
+          <p:cNvPicPr>
+            <a:picLocks noChangeAspect="1"/>
+          </p:cNvPicPr>
+          <p:nvPr/>
+        </p:nvPicPr>
+        <p:blipFill rotWithShape="1">
+          <a:blip r:embed="rId2"/>
+          <a:srcRect r="17615"/>
+          <a:stretch/>
+        </p:blipFill>
+        <p:spPr>
+          <a:xfrm>
+            <a:off x="1425097" y="81517"/>
+            <a:ext cx="4410075" cy="2238375"/>
+          </a:xfrm>
+          <a:prstGeom prst="rect">
+            <a:avLst/>
+          </a:prstGeom>
+        </p:spPr>
+      </p:pic>
+      <p:pic>
+        <p:nvPicPr>
+          <p:cNvPr id="7" name="Picture 6">
+            <a:extLst>
+              <a:ext uri="{FF2B5EF4-FFF2-40B4-BE49-F238E27FC236}">
+                <a16:creationId xmlns:a16="http://schemas.microsoft.com/office/drawing/2014/main" id="{F2B995B1-5F12-E0C3-2B4F-5F6C06CAF824}"/>
+              </a:ext>
+            </a:extLst>
+          </p:cNvPr>
+          <p:cNvPicPr>
+            <a:picLocks noChangeAspect="1"/>
+          </p:cNvPicPr>
+          <p:nvPr/>
+        </p:nvPicPr>
+        <p:blipFill>
+          <a:blip r:embed="rId3"/>
+          <a:stretch>
+            <a:fillRect/>
+          </a:stretch>
+        </p:blipFill>
+        <p:spPr>
+          <a:xfrm>
+            <a:off x="7346133" y="789140"/>
+            <a:ext cx="2790825" cy="485775"/>
+          </a:xfrm>
+          <a:prstGeom prst="rect">
+            <a:avLst/>
+          </a:prstGeom>
+        </p:spPr>
+      </p:pic>
+      <p:pic>
+        <p:nvPicPr>
+          <p:cNvPr id="9" name="Picture 8">
+            <a:extLst>
+              <a:ext uri="{FF2B5EF4-FFF2-40B4-BE49-F238E27FC236}">
+                <a16:creationId xmlns:a16="http://schemas.microsoft.com/office/drawing/2014/main" id="{A58AA22E-C912-EEF1-D7DE-85FBCF181D3A}"/>
+              </a:ext>
+            </a:extLst>
+          </p:cNvPr>
+          <p:cNvPicPr>
+            <a:picLocks noChangeAspect="1"/>
+          </p:cNvPicPr>
+          <p:nvPr/>
+        </p:nvPicPr>
+        <p:blipFill rotWithShape="1">
+          <a:blip r:embed="rId4"/>
+          <a:srcRect r="7952"/>
+          <a:stretch/>
+        </p:blipFill>
+        <p:spPr>
+          <a:xfrm>
+            <a:off x="1425097" y="2433637"/>
+            <a:ext cx="4410075" cy="1990725"/>
+          </a:xfrm>
+          <a:prstGeom prst="rect">
+            <a:avLst/>
+          </a:prstGeom>
+        </p:spPr>
+      </p:pic>
+      <p:pic>
+        <p:nvPicPr>
+          <p:cNvPr id="11" name="Picture 10">
+            <a:extLst>
+              <a:ext uri="{FF2B5EF4-FFF2-40B4-BE49-F238E27FC236}">
+                <a16:creationId xmlns:a16="http://schemas.microsoft.com/office/drawing/2014/main" id="{133FDAE2-23AF-77E6-70CD-8E82B689FBB1}"/>
+              </a:ext>
+            </a:extLst>
+          </p:cNvPr>
+          <p:cNvPicPr>
+            <a:picLocks noChangeAspect="1"/>
+          </p:cNvPicPr>
+          <p:nvPr/>
+        </p:nvPicPr>
+        <p:blipFill>
+          <a:blip r:embed="rId5"/>
+          <a:stretch>
+            <a:fillRect/>
+          </a:stretch>
+        </p:blipFill>
+        <p:spPr>
+          <a:xfrm>
+            <a:off x="7346133" y="3028949"/>
+            <a:ext cx="2286000" cy="400050"/>
+          </a:xfrm>
+          <a:prstGeom prst="rect">
+            <a:avLst/>
+          </a:prstGeom>
+        </p:spPr>
+      </p:pic>
+      <p:pic>
+        <p:nvPicPr>
+          <p:cNvPr id="13" name="Picture 12">
+            <a:extLst>
+              <a:ext uri="{FF2B5EF4-FFF2-40B4-BE49-F238E27FC236}">
+                <a16:creationId xmlns:a16="http://schemas.microsoft.com/office/drawing/2014/main" id="{37BBBA65-DAB7-A0B1-680B-FF7D95DAFF9B}"/>
+              </a:ext>
+            </a:extLst>
+          </p:cNvPr>
+          <p:cNvPicPr>
+            <a:picLocks noChangeAspect="1"/>
+          </p:cNvPicPr>
+          <p:nvPr/>
+        </p:nvPicPr>
+        <p:blipFill>
+          <a:blip r:embed="rId6"/>
+          <a:stretch>
+            <a:fillRect/>
+          </a:stretch>
+        </p:blipFill>
+        <p:spPr>
+          <a:xfrm>
+            <a:off x="1425097" y="4538107"/>
+            <a:ext cx="4410075" cy="2181225"/>
+          </a:xfrm>
+          <a:prstGeom prst="rect">
+            <a:avLst/>
+          </a:prstGeom>
+        </p:spPr>
+      </p:pic>
+      <p:pic>
+        <p:nvPicPr>
+          <p:cNvPr id="15" name="Picture 14">
+            <a:extLst>
+              <a:ext uri="{FF2B5EF4-FFF2-40B4-BE49-F238E27FC236}">
+                <a16:creationId xmlns:a16="http://schemas.microsoft.com/office/drawing/2014/main" id="{C54270EA-FC66-DAC4-AC0F-5D6CBD64189A}"/>
+              </a:ext>
+            </a:extLst>
+          </p:cNvPr>
+          <p:cNvPicPr>
+            <a:picLocks noChangeAspect="1"/>
+          </p:cNvPicPr>
+          <p:nvPr/>
+        </p:nvPicPr>
+        <p:blipFill>
+          <a:blip r:embed="rId7"/>
+          <a:stretch>
+            <a:fillRect/>
+          </a:stretch>
+        </p:blipFill>
+        <p:spPr>
+          <a:xfrm>
+            <a:off x="7414519" y="5228669"/>
+            <a:ext cx="2476500" cy="400050"/>
+          </a:xfrm>
+          <a:prstGeom prst="rect">
+            <a:avLst/>
+          </a:prstGeom>
+        </p:spPr>
+      </p:pic>
+    </p:spTree>
+    <p:extLst>
+      <p:ext uri="{BB962C8B-B14F-4D97-AF65-F5344CB8AC3E}">
+        <p14:creationId xmlns:p14="http://schemas.microsoft.com/office/powerpoint/2010/main" val="711835895"/>
       </p:ext>
     </p:extLst>
   </p:cSld>
@@ -28148,6 +28522,15 @@
             <a:r>
               <a:rPr lang="en-US" dirty="0"/>
               <a:t>Constant is an immutable value</a:t>
+            </a:r>
+          </a:p>
+          <a:p>
+            <a:pPr marL="152396" indent="0">
+              <a:buNone/>
+            </a:pPr>
+            <a:r>
+              <a:rPr lang="en-US" dirty="0"/>
+              <a:t>A name that is given for any computer memory location is called a variable. The purpose of the variable is to provide some name to a memory location where we store some data. The user will access the data by the variable name and the compiler will access the data by the memory address. So, the variable is a named location in the computer memory where a program can store the data.</a:t>
             </a:r>
           </a:p>
         </p:txBody>
